--- a/PPT/Module_3/Module3_Fundamental_of_Java_Programming.pptx
+++ b/PPT/Module_3/Module3_Fundamental_of_Java_Programming.pptx
@@ -57,6 +57,7 @@
     <p:sldId id="277" r:id="rId51"/>
     <p:sldId id="278" r:id="rId52"/>
     <p:sldId id="279" r:id="rId53"/>
+    <p:sldId id="308" r:id="rId54"/>
   </p:sldIdLst>
   <p:sldSz cx="9144000" cy="6858000" type="screen4x3"/>
   <p:notesSz cx="6858000" cy="9144000"/>
@@ -340,7 +341,7 @@
             <a:fld id="{1D8BD707-D9CF-40AE-B4C6-C98DA3205C09}" type="datetimeFigureOut">
               <a:rPr lang="en-US" smtClean="0"/>
               <a:pPr/>
-              <a:t>11/12/2022</a:t>
+              <a:t>11/13/2022</a:t>
             </a:fld>
             <a:endParaRPr lang="en-US"/>
           </a:p>
@@ -507,7 +508,7 @@
             <a:fld id="{1D8BD707-D9CF-40AE-B4C6-C98DA3205C09}" type="datetimeFigureOut">
               <a:rPr lang="en-US" smtClean="0"/>
               <a:pPr/>
-              <a:t>11/12/2022</a:t>
+              <a:t>11/13/2022</a:t>
             </a:fld>
             <a:endParaRPr lang="en-US"/>
           </a:p>
@@ -684,7 +685,7 @@
             <a:fld id="{1D8BD707-D9CF-40AE-B4C6-C98DA3205C09}" type="datetimeFigureOut">
               <a:rPr lang="en-US" smtClean="0"/>
               <a:pPr/>
-              <a:t>11/12/2022</a:t>
+              <a:t>11/13/2022</a:t>
             </a:fld>
             <a:endParaRPr lang="en-US"/>
           </a:p>
@@ -851,7 +852,7 @@
             <a:fld id="{1D8BD707-D9CF-40AE-B4C6-C98DA3205C09}" type="datetimeFigureOut">
               <a:rPr lang="en-US" smtClean="0"/>
               <a:pPr/>
-              <a:t>11/12/2022</a:t>
+              <a:t>11/13/2022</a:t>
             </a:fld>
             <a:endParaRPr lang="en-US"/>
           </a:p>
@@ -1094,7 +1095,7 @@
             <a:fld id="{1D8BD707-D9CF-40AE-B4C6-C98DA3205C09}" type="datetimeFigureOut">
               <a:rPr lang="en-US" smtClean="0"/>
               <a:pPr/>
-              <a:t>11/12/2022</a:t>
+              <a:t>11/13/2022</a:t>
             </a:fld>
             <a:endParaRPr lang="en-US"/>
           </a:p>
@@ -1379,7 +1380,7 @@
             <a:fld id="{1D8BD707-D9CF-40AE-B4C6-C98DA3205C09}" type="datetimeFigureOut">
               <a:rPr lang="en-US" smtClean="0"/>
               <a:pPr/>
-              <a:t>11/12/2022</a:t>
+              <a:t>11/13/2022</a:t>
             </a:fld>
             <a:endParaRPr lang="en-US"/>
           </a:p>
@@ -1798,7 +1799,7 @@
             <a:fld id="{1D8BD707-D9CF-40AE-B4C6-C98DA3205C09}" type="datetimeFigureOut">
               <a:rPr lang="en-US" smtClean="0"/>
               <a:pPr/>
-              <a:t>11/12/2022</a:t>
+              <a:t>11/13/2022</a:t>
             </a:fld>
             <a:endParaRPr lang="en-US"/>
           </a:p>
@@ -1913,7 +1914,7 @@
             <a:fld id="{1D8BD707-D9CF-40AE-B4C6-C98DA3205C09}" type="datetimeFigureOut">
               <a:rPr lang="en-US" smtClean="0"/>
               <a:pPr/>
-              <a:t>11/12/2022</a:t>
+              <a:t>11/13/2022</a:t>
             </a:fld>
             <a:endParaRPr lang="en-US"/>
           </a:p>
@@ -2005,7 +2006,7 @@
             <a:fld id="{1D8BD707-D9CF-40AE-B4C6-C98DA3205C09}" type="datetimeFigureOut">
               <a:rPr lang="en-US" smtClean="0"/>
               <a:pPr/>
-              <a:t>11/12/2022</a:t>
+              <a:t>11/13/2022</a:t>
             </a:fld>
             <a:endParaRPr lang="en-US"/>
           </a:p>
@@ -2279,7 +2280,7 @@
             <a:fld id="{1D8BD707-D9CF-40AE-B4C6-C98DA3205C09}" type="datetimeFigureOut">
               <a:rPr lang="en-US" smtClean="0"/>
               <a:pPr/>
-              <a:t>11/12/2022</a:t>
+              <a:t>11/13/2022</a:t>
             </a:fld>
             <a:endParaRPr lang="en-US"/>
           </a:p>
@@ -2529,7 +2530,7 @@
             <a:fld id="{1D8BD707-D9CF-40AE-B4C6-C98DA3205C09}" type="datetimeFigureOut">
               <a:rPr lang="en-US" smtClean="0"/>
               <a:pPr/>
-              <a:t>11/12/2022</a:t>
+              <a:t>11/13/2022</a:t>
             </a:fld>
             <a:endParaRPr lang="en-US"/>
           </a:p>
@@ -2739,7 +2740,7 @@
             <a:fld id="{1D8BD707-D9CF-40AE-B4C6-C98DA3205C09}" type="datetimeFigureOut">
               <a:rPr lang="en-US" smtClean="0"/>
               <a:pPr/>
-              <a:t>11/12/2022</a:t>
+              <a:t>11/13/2022</a:t>
             </a:fld>
             <a:endParaRPr lang="en-US"/>
           </a:p>
@@ -10317,15 +10318,7 @@
           <a:p>
             <a:r>
               <a:rPr lang="en-US" dirty="0" smtClean="0"/>
-              <a:t>Auto-Boxing </a:t>
-            </a:r>
-            <a:r>
-              <a:rPr lang="en-US" dirty="0" smtClean="0"/>
-              <a:t>and </a:t>
-            </a:r>
-            <a:r>
-              <a:rPr lang="en-US" dirty="0" smtClean="0"/>
-              <a:t>Un-Boxing</a:t>
+              <a:t>Auto-Boxing and Un-Boxing</a:t>
             </a:r>
             <a:endParaRPr lang="en-US" dirty="0"/>
           </a:p>
@@ -12706,6 +12699,166 @@
           </a:p>
         </p:txBody>
       </p:sp>
+    </p:spTree>
+  </p:cSld>
+  <p:clrMapOvr>
+    <a:masterClrMapping/>
+  </p:clrMapOvr>
+</p:sld>
+</file>
+
+<file path=ppt/slides/slide53.xml><?xml version="1.0" encoding="utf-8"?>
+<p:sld xmlns:a="http://schemas.openxmlformats.org/drawingml/2006/main" xmlns:r="http://schemas.openxmlformats.org/officeDocument/2006/relationships" xmlns:p="http://schemas.openxmlformats.org/presentationml/2006/main">
+  <p:cSld>
+    <p:spTree>
+      <p:nvGrpSpPr>
+        <p:cNvPr id="1" name=""/>
+        <p:cNvGrpSpPr/>
+        <p:nvPr/>
+      </p:nvGrpSpPr>
+      <p:grpSpPr>
+        <a:xfrm>
+          <a:off x="0" y="0"/>
+          <a:ext cx="0" cy="0"/>
+          <a:chOff x="0" y="0"/>
+          <a:chExt cx="0" cy="0"/>
+        </a:xfrm>
+      </p:grpSpPr>
+      <p:sp>
+        <p:nvSpPr>
+          <p:cNvPr id="2" name="Title 1"/>
+          <p:cNvSpPr>
+            <a:spLocks noGrp="1"/>
+          </p:cNvSpPr>
+          <p:nvPr>
+            <p:ph type="title"/>
+          </p:nvPr>
+        </p:nvSpPr>
+        <p:spPr/>
+        <p:txBody>
+          <a:bodyPr/>
+          <a:lstStyle/>
+          <a:p>
+            <a:endParaRPr lang="en-US"/>
+          </a:p>
+        </p:txBody>
+      </p:sp>
+      <p:graphicFrame>
+        <p:nvGraphicFramePr>
+          <p:cNvPr id="4" name="Table 3"/>
+          <p:cNvGraphicFramePr>
+            <a:graphicFrameLocks noGrp="1"/>
+          </p:cNvGraphicFramePr>
+          <p:nvPr/>
+        </p:nvGraphicFramePr>
+        <p:xfrm>
+          <a:off x="1524000" y="1397000"/>
+          <a:ext cx="6096000" cy="1930400"/>
+        </p:xfrm>
+        <a:graphic>
+          <a:graphicData uri="http://schemas.openxmlformats.org/drawingml/2006/table">
+            <a:tbl>
+              <a:tblPr firstRow="1" bandRow="1">
+                <a:tableStyleId>{5C22544A-7EE6-4342-B048-85BDC9FD1C3A}</a:tableStyleId>
+              </a:tblPr>
+              <a:tblGrid>
+                <a:gridCol w="3048000"/>
+                <a:gridCol w="3048000"/>
+              </a:tblGrid>
+              <a:tr h="370840">
+                <a:tc>
+                  <a:txBody>
+                    <a:bodyPr/>
+                    <a:lstStyle/>
+                    <a:p>
+                      <a:r>
+                        <a:rPr lang="en-US" dirty="0" smtClean="0"/>
+                        <a:t>Break</a:t>
+                      </a:r>
+                      <a:endParaRPr lang="en-US" dirty="0"/>
+                    </a:p>
+                  </a:txBody>
+                  <a:tcPr/>
+                </a:tc>
+                <a:tc>
+                  <a:txBody>
+                    <a:bodyPr/>
+                    <a:lstStyle/>
+                    <a:p>
+                      <a:r>
+                        <a:rPr lang="en-US" dirty="0" smtClean="0"/>
+                        <a:t>Continue</a:t>
+                      </a:r>
+                      <a:endParaRPr lang="en-US" dirty="0"/>
+                    </a:p>
+                  </a:txBody>
+                  <a:tcPr/>
+                </a:tc>
+              </a:tr>
+              <a:tr h="370840">
+                <a:tc>
+                  <a:txBody>
+                    <a:bodyPr/>
+                    <a:lstStyle/>
+                    <a:p>
+                      <a:r>
+                        <a:rPr lang="en-US" dirty="0" smtClean="0"/>
+                        <a:t>It</a:t>
+                      </a:r>
+                      <a:r>
+                        <a:rPr lang="en-US" baseline="0" dirty="0" smtClean="0"/>
+                        <a:t> will terminate the execution of the for loop when the condition meet</a:t>
+                      </a:r>
+                      <a:endParaRPr lang="en-US" dirty="0"/>
+                    </a:p>
+                  </a:txBody>
+                  <a:tcPr/>
+                </a:tc>
+                <a:tc>
+                  <a:txBody>
+                    <a:bodyPr/>
+                    <a:lstStyle/>
+                    <a:p>
+                      <a:r>
+                        <a:rPr lang="en-US" dirty="0" smtClean="0"/>
+                        <a:t>It will continue the execution of the</a:t>
+                      </a:r>
+                      <a:r>
+                        <a:rPr lang="en-US" baseline="0" dirty="0" smtClean="0"/>
+                        <a:t> loop when the condition meet it will skip that condition only</a:t>
+                      </a:r>
+                      <a:endParaRPr lang="en-US" dirty="0"/>
+                    </a:p>
+                  </a:txBody>
+                  <a:tcPr/>
+                </a:tc>
+              </a:tr>
+              <a:tr h="370840">
+                <a:tc>
+                  <a:txBody>
+                    <a:bodyPr/>
+                    <a:lstStyle/>
+                    <a:p>
+                      <a:endParaRPr lang="en-US"/>
+                    </a:p>
+                  </a:txBody>
+                  <a:tcPr/>
+                </a:tc>
+                <a:tc>
+                  <a:txBody>
+                    <a:bodyPr/>
+                    <a:lstStyle/>
+                    <a:p>
+                      <a:endParaRPr lang="en-US"/>
+                    </a:p>
+                  </a:txBody>
+                  <a:tcPr/>
+                </a:tc>
+              </a:tr>
+            </a:tbl>
+          </a:graphicData>
+        </a:graphic>
+      </p:graphicFrame>
     </p:spTree>
   </p:cSld>
   <p:clrMapOvr>
